--- a/src/lectures/gdpr/gdpr.pptx
+++ b/src/lectures/gdpr/gdpr.pptx
@@ -12,15 +12,15 @@
     <p:sldId id="257" r:id="rId3"/>
     <p:sldId id="273" r:id="rId4"/>
     <p:sldId id="576" r:id="rId5"/>
-    <p:sldId id="539" r:id="rId6"/>
-    <p:sldId id="540" r:id="rId7"/>
-    <p:sldId id="537" r:id="rId8"/>
-    <p:sldId id="573" r:id="rId9"/>
-    <p:sldId id="574" r:id="rId10"/>
-    <p:sldId id="526" r:id="rId11"/>
-    <p:sldId id="544" r:id="rId12"/>
-    <p:sldId id="541" r:id="rId13"/>
-    <p:sldId id="542" r:id="rId14"/>
+    <p:sldId id="540" r:id="rId6"/>
+    <p:sldId id="537" r:id="rId7"/>
+    <p:sldId id="573" r:id="rId8"/>
+    <p:sldId id="574" r:id="rId9"/>
+    <p:sldId id="526" r:id="rId10"/>
+    <p:sldId id="544" r:id="rId11"/>
+    <p:sldId id="541" r:id="rId12"/>
+    <p:sldId id="542" r:id="rId13"/>
+    <p:sldId id="578" r:id="rId14"/>
     <p:sldId id="577" r:id="rId15"/>
     <p:sldId id="258" r:id="rId16"/>
     <p:sldId id="261" r:id="rId17"/>
@@ -231,7 +231,7 @@
           <a:p>
             <a:fld id="{9614D5EB-F25B-4CD9-B071-040D57428B97}" type="datetimeFigureOut">
               <a:rPr lang="sv-SE" smtClean="0"/>
-              <a:t>2022-02-22</a:t>
+              <a:t>2023-02-23</a:t>
             </a:fld>
             <a:endParaRPr lang="sv-SE"/>
           </a:p>
@@ -800,450 +800,7 @@
           <a:bodyPr/>
           <a:lstStyle/>
           <a:p>
-            <a:r>
-              <a:rPr lang="sv-SE" dirty="0"/>
-              <a:t>Därför måste du inhämta giltigt samtycke till kakor</a:t>
-            </a:r>
-          </a:p>
-          <a:p>
-            <a:r>
-              <a:rPr lang="sv-SE" dirty="0"/>
-              <a:t>Kakor och andra spårare är fantastiska. De kan ge dina besökare en bättre upplevelse av webbplatsen genom att komma ihåg språkinställningar eller varor i kundvagnen. Kakor kan också ge dig insyn i trafiken på din webbplats och spåra dina kunder under olika stadier av köpprocessen.</a:t>
-            </a:r>
-          </a:p>
-          <a:p>
             <a:endParaRPr lang="sv-SE" dirty="0"/>
-          </a:p>
-          <a:p>
-            <a:r>
-              <a:rPr lang="sv-SE" dirty="0"/>
-              <a:t>Men när du använder kakor på din webbplats, oavsett om det är dina egna kakor eller tredjepartskakor, är du skyldig att inhämta samtycke. Varför då?</a:t>
-            </a:r>
-          </a:p>
-          <a:p>
-            <a:endParaRPr lang="sv-SE" dirty="0"/>
-          </a:p>
-          <a:p>
-            <a:r>
-              <a:rPr lang="sv-SE" dirty="0"/>
-              <a:t>För att kakor oftast samlar in dina användares personuppgifter för att sedan behandla dem i marknadsföringssyfte.</a:t>
-            </a:r>
-          </a:p>
-          <a:p>
-            <a:endParaRPr lang="sv-SE" dirty="0"/>
-          </a:p>
-          <a:p>
-            <a:r>
-              <a:rPr lang="sv-SE" dirty="0"/>
-              <a:t>Och enligt den allmänna dataskyddsförordningen, även känd som GDPR, kräver detta att du inhämtar dina användares samtycke till kakor.</a:t>
-            </a:r>
-          </a:p>
-          <a:p>
-            <a:endParaRPr lang="sv-SE" dirty="0"/>
-          </a:p>
-          <a:p>
-            <a:r>
-              <a:rPr lang="sv-SE" dirty="0"/>
-              <a:t>Här är 6 viktiga lärdomar du kan använda dig av för att inhämta giltigt samtycke till kakor.</a:t>
-            </a:r>
-          </a:p>
-          <a:p>
-            <a:endParaRPr lang="sv-SE" dirty="0"/>
-          </a:p>
-          <a:p>
-            <a:r>
-              <a:rPr lang="sv-SE" dirty="0"/>
-              <a:t>1. Blockera kakor tills användaren har gett sitt samtycke</a:t>
-            </a:r>
-          </a:p>
-          <a:p>
-            <a:r>
-              <a:rPr lang="sv-SE" dirty="0"/>
-              <a:t>Se till att din webbplats inte placerar några kakor eller andra tekniska lösningar för spårning innan användaren har gett sitt samtycke.</a:t>
-            </a:r>
-          </a:p>
-          <a:p>
-            <a:endParaRPr lang="sv-SE" dirty="0"/>
-          </a:p>
-          <a:p>
-            <a:r>
-              <a:rPr lang="sv-SE" dirty="0"/>
-              <a:t>Detta är väsentligt för att följa både ePrivacy-direktivet (”</a:t>
-            </a:r>
-            <a:r>
-              <a:rPr lang="sv-SE" dirty="0" err="1"/>
-              <a:t>kaklagen</a:t>
-            </a:r>
-            <a:r>
-              <a:rPr lang="sv-SE" dirty="0"/>
-              <a:t>”) och GDPR.</a:t>
-            </a:r>
-          </a:p>
-          <a:p>
-            <a:endParaRPr lang="sv-SE" dirty="0"/>
-          </a:p>
-          <a:p>
-            <a:r>
-              <a:rPr lang="sv-SE" dirty="0"/>
-              <a:t>Välj en </a:t>
-            </a:r>
-            <a:r>
-              <a:rPr lang="sv-SE" dirty="0" err="1"/>
-              <a:t>Consent</a:t>
-            </a:r>
-            <a:r>
-              <a:rPr lang="sv-SE" dirty="0"/>
-              <a:t> Management </a:t>
-            </a:r>
-            <a:r>
-              <a:rPr lang="sv-SE" dirty="0" err="1"/>
-              <a:t>Platform</a:t>
-            </a:r>
-            <a:r>
-              <a:rPr lang="sv-SE" dirty="0"/>
-              <a:t> (CMP) till din webbplats som kontrollerar de skript som körs och använder kakor.</a:t>
-            </a:r>
-          </a:p>
-          <a:p>
-            <a:endParaRPr lang="sv-SE" dirty="0"/>
-          </a:p>
-          <a:p>
-            <a:r>
-              <a:rPr lang="sv-SE" dirty="0"/>
-              <a:t>Det är först då du har kontroll över dina kakor.</a:t>
-            </a:r>
-          </a:p>
-          <a:p>
-            <a:endParaRPr lang="sv-SE" dirty="0"/>
-          </a:p>
-          <a:p>
-            <a:r>
-              <a:rPr lang="sv-SE" dirty="0"/>
-              <a:t>2. Förse besökaren med alternativet att neka kakor (och spårning)</a:t>
-            </a:r>
-          </a:p>
-          <a:p>
-            <a:r>
-              <a:rPr lang="sv-SE" dirty="0"/>
-              <a:t>Ge dina besökare ett enkelt sätt att säga nej tack till kakor.</a:t>
-            </a:r>
-          </a:p>
-          <a:p>
-            <a:endParaRPr lang="sv-SE" dirty="0"/>
-          </a:p>
-          <a:p>
-            <a:r>
-              <a:rPr lang="sv-SE" dirty="0"/>
-              <a:t>Ett samtycke måste ges frivilligt, även när det gäller kakor.</a:t>
-            </a:r>
-          </a:p>
-          <a:p>
-            <a:endParaRPr lang="sv-SE" dirty="0"/>
-          </a:p>
-          <a:p>
-            <a:r>
-              <a:rPr lang="sv-SE" dirty="0"/>
-              <a:t>Se till att din cookiebanner för samtycke har en ”Acceptera inte”-knapp. Det spelar ingen roll vad som står på knappen (t.ex. ”neka”, ”nej tack”), så länge som det tydligt framgår att din webbplats inte kommer placera ut några kakor om användaren nekar detta.</a:t>
-            </a:r>
-          </a:p>
-          <a:p>
-            <a:endParaRPr lang="sv-SE" dirty="0"/>
-          </a:p>
-          <a:p>
-            <a:r>
-              <a:rPr lang="sv-SE" dirty="0"/>
-              <a:t>Då din webbplats kan använda kakor för olika ändamål (t.ex. marknadsföring, statistik, funktioner) så behöver du faktiskt ett giltigt samtycke för varje ändamål.</a:t>
-            </a:r>
-          </a:p>
-          <a:p>
-            <a:endParaRPr lang="sv-SE" dirty="0"/>
-          </a:p>
-          <a:p>
-            <a:r>
-              <a:rPr lang="sv-SE" dirty="0"/>
-              <a:t>Detta går att lösa genom att användarna blir väl informerade om syftena med kakorna och genom att lägga till en växlingsknapp som låter användarna markera eller avmarkera kakor efter syfte.</a:t>
-            </a:r>
-          </a:p>
-          <a:p>
-            <a:endParaRPr lang="sv-SE" dirty="0"/>
-          </a:p>
-          <a:p>
-            <a:r>
-              <a:rPr lang="sv-SE" dirty="0"/>
-              <a:t>Det innebär att du kommer inhämta samtycke på detaljnivå, vilket krävs enligt GDPR.</a:t>
-            </a:r>
-          </a:p>
-          <a:p>
-            <a:endParaRPr lang="sv-SE" dirty="0"/>
-          </a:p>
-          <a:p>
-            <a:r>
-              <a:rPr lang="sv-SE" dirty="0"/>
-              <a:t>Observera: Om du väljer en </a:t>
-            </a:r>
-            <a:r>
-              <a:rPr lang="sv-SE" dirty="0" err="1"/>
-              <a:t>popup</a:t>
-            </a:r>
-            <a:r>
-              <a:rPr lang="sv-SE" dirty="0"/>
-              <a:t> för samtycke med en design som visar integritetsinställningar som låter besökare tillåta eller välja bort kakor efter syfte, så får inställningarna inte på förhand vara valda att godkänna kakor (se EU-mål mot Planet49).</a:t>
-            </a:r>
-          </a:p>
-          <a:p>
-            <a:endParaRPr lang="sv-SE" dirty="0"/>
-          </a:p>
-          <a:p>
-            <a:r>
-              <a:rPr lang="sv-SE" dirty="0"/>
-              <a:t>Användaren måste aktivt markera kakor efter syfte genom att markera aktuell ruta.</a:t>
-            </a:r>
-          </a:p>
-          <a:p>
-            <a:endParaRPr lang="sv-SE" dirty="0"/>
-          </a:p>
-          <a:p>
-            <a:r>
-              <a:rPr lang="sv-SE" dirty="0"/>
-              <a:t>3. Informera dina användare om kakor och spårning</a:t>
-            </a:r>
-          </a:p>
-          <a:p>
-            <a:r>
-              <a:rPr lang="sv-SE" dirty="0"/>
-              <a:t>Informera dina användare om vilka slags kakor och spårare du använder på din webbplats och vilka slags uppgifter de samlar in.</a:t>
-            </a:r>
-          </a:p>
-          <a:p>
-            <a:endParaRPr lang="sv-SE" dirty="0"/>
-          </a:p>
-          <a:p>
-            <a:r>
-              <a:rPr lang="sv-SE" dirty="0"/>
-              <a:t>De kan då lämna samtycke på giltig grund.</a:t>
-            </a:r>
-          </a:p>
-          <a:p>
-            <a:endParaRPr lang="sv-SE" dirty="0"/>
-          </a:p>
-          <a:p>
-            <a:r>
-              <a:rPr lang="sv-SE" dirty="0"/>
-              <a:t>Du bör som minst informera om:</a:t>
-            </a:r>
-          </a:p>
-          <a:p>
-            <a:endParaRPr lang="sv-SE" dirty="0"/>
-          </a:p>
-          <a:p>
-            <a:r>
-              <a:rPr lang="sv-SE" dirty="0"/>
-              <a:t>Vem som äger kakorna (t.ex. Google, Facebook, Amazon etc.)</a:t>
-            </a:r>
-          </a:p>
-          <a:p>
-            <a:r>
-              <a:rPr lang="sv-SE" dirty="0"/>
-              <a:t>Vad som är syftet med insamlingen av uppgifterna (t.ex. marknadsföring, statistik etc.)</a:t>
-            </a:r>
-          </a:p>
-          <a:p>
-            <a:r>
-              <a:rPr lang="sv-SE" dirty="0"/>
-              <a:t>När kakan utgår (hur länge den lagras i besökarens webbläsare)</a:t>
-            </a:r>
-          </a:p>
-          <a:p>
-            <a:r>
-              <a:rPr lang="sv-SE" dirty="0"/>
-              <a:t>4. Respektera och kom ihåg användarnas integritetsval</a:t>
-            </a:r>
-          </a:p>
-          <a:p>
-            <a:r>
-              <a:rPr lang="sv-SE" dirty="0"/>
-              <a:t>När du implementerar din </a:t>
-            </a:r>
-            <a:r>
-              <a:rPr lang="sv-SE" dirty="0" err="1"/>
-              <a:t>popup</a:t>
-            </a:r>
-            <a:r>
-              <a:rPr lang="sv-SE" dirty="0"/>
-              <a:t> för samtycke, försäkra dig då om att den enbart lagrar kakor som din användare har gett samtycke till.</a:t>
-            </a:r>
-          </a:p>
-          <a:p>
-            <a:endParaRPr lang="sv-SE" dirty="0"/>
-          </a:p>
-          <a:p>
-            <a:r>
-              <a:rPr lang="sv-SE" dirty="0"/>
-              <a:t>Det är viktigt för att upprätthålla förtroendet hos dina användare.</a:t>
-            </a:r>
-          </a:p>
-          <a:p>
-            <a:endParaRPr lang="sv-SE" dirty="0"/>
-          </a:p>
-          <a:p>
-            <a:r>
-              <a:rPr lang="sv-SE" dirty="0"/>
-              <a:t>Om en användare nekar till kakor eller bara väljer funktionskakor, respektera då detta val.</a:t>
-            </a:r>
-          </a:p>
-          <a:p>
-            <a:endParaRPr lang="sv-SE" dirty="0"/>
-          </a:p>
-          <a:p>
-            <a:r>
-              <a:rPr lang="sv-SE" dirty="0"/>
-              <a:t>Välj en samtyckeslösning som gör det lätt att implementera integritetsinställningar och som ger dig full kontroll över kakor.</a:t>
-            </a:r>
-          </a:p>
-          <a:p>
-            <a:endParaRPr lang="sv-SE" dirty="0"/>
-          </a:p>
-          <a:p>
-            <a:r>
-              <a:rPr lang="sv-SE" dirty="0"/>
-              <a:t>Det gör att du kan respektera och komma ihåg dina besökares integritetsval och inställningar.</a:t>
-            </a:r>
-          </a:p>
-          <a:p>
-            <a:endParaRPr lang="sv-SE" dirty="0"/>
-          </a:p>
-          <a:p>
-            <a:r>
-              <a:rPr lang="sv-SE" dirty="0"/>
-              <a:t>5. Erbjud ett enkelt sätt att ta tillbaka eller ändra samtycke</a:t>
-            </a:r>
-          </a:p>
-          <a:p>
-            <a:r>
-              <a:rPr lang="sv-SE" dirty="0"/>
-              <a:t>Det måste vara lika lätt för besökaren att ta tillbaka eller ändra sitt samtycke som det var att ge det.</a:t>
-            </a:r>
-          </a:p>
-          <a:p>
-            <a:endParaRPr lang="sv-SE" dirty="0"/>
-          </a:p>
-          <a:p>
-            <a:r>
-              <a:rPr lang="sv-SE" dirty="0"/>
-              <a:t>Var förberedd på att låta besökaren ändra eller ta tillbaka ett samtycke.</a:t>
-            </a:r>
-          </a:p>
-          <a:p>
-            <a:endParaRPr lang="sv-SE" dirty="0"/>
-          </a:p>
-          <a:p>
-            <a:r>
-              <a:rPr lang="sv-SE" dirty="0"/>
-              <a:t>Kanske din användare har ändrat sig och inte längre vill bli spårad av Google </a:t>
-            </a:r>
-            <a:r>
-              <a:rPr lang="sv-SE" dirty="0" err="1"/>
-              <a:t>Analytics</a:t>
-            </a:r>
-            <a:r>
-              <a:rPr lang="sv-SE" dirty="0"/>
-              <a:t> eller Facebook Pixel på din webbplats.</a:t>
-            </a:r>
-          </a:p>
-          <a:p>
-            <a:endParaRPr lang="sv-SE" dirty="0"/>
-          </a:p>
-          <a:p>
-            <a:r>
-              <a:rPr lang="sv-SE" dirty="0"/>
-              <a:t>Detta måste förstås respekteras.</a:t>
-            </a:r>
-          </a:p>
-          <a:p>
-            <a:endParaRPr lang="sv-SE" dirty="0"/>
-          </a:p>
-          <a:p>
-            <a:r>
-              <a:rPr lang="sv-SE" dirty="0"/>
-              <a:t>Leta efter en samtyckeslösning som förser dig och användaren med ett lätt sätt att välja bort kakor.</a:t>
-            </a:r>
-          </a:p>
-          <a:p>
-            <a:endParaRPr lang="sv-SE" dirty="0"/>
-          </a:p>
-          <a:p>
-            <a:r>
-              <a:rPr lang="sv-SE" dirty="0"/>
-              <a:t>Din användare bör snabbt kunna hitta ett sätt att ändra eller ta tillbaka samtycke genom att antingen klicka på en ikon på din sida eller i policyn för kakor.</a:t>
-            </a:r>
-          </a:p>
-          <a:p>
-            <a:endParaRPr lang="sv-SE" dirty="0"/>
-          </a:p>
-          <a:p>
-            <a:r>
-              <a:rPr lang="sv-SE" dirty="0"/>
-              <a:t>När användaren klickar på ikonen ska din </a:t>
-            </a:r>
-            <a:r>
-              <a:rPr lang="sv-SE" dirty="0" err="1"/>
-              <a:t>popup</a:t>
-            </a:r>
-            <a:r>
-              <a:rPr lang="sv-SE" dirty="0"/>
-              <a:t> för samtycke informera användaren om hur man ändrar eller tar tillbaka samtycke till kakor.</a:t>
-            </a:r>
-          </a:p>
-          <a:p>
-            <a:endParaRPr lang="sv-SE" dirty="0"/>
-          </a:p>
-          <a:p>
-            <a:r>
-              <a:rPr lang="sv-SE" dirty="0"/>
-              <a:t>6. Logga och lagra alla användares samtycken</a:t>
-            </a:r>
-          </a:p>
-          <a:p>
-            <a:r>
-              <a:rPr lang="sv-SE" dirty="0"/>
-              <a:t>Lagra dina användares samtycken till kakor, så du enkelt kan hämta dem om du skulle bli föremål för en inspektion från dataskyddsmyndigheter.</a:t>
-            </a:r>
-          </a:p>
-          <a:p>
-            <a:endParaRPr lang="sv-SE" dirty="0"/>
-          </a:p>
-          <a:p>
-            <a:r>
-              <a:rPr lang="sv-SE" dirty="0"/>
-              <a:t>Som personuppgiftsansvarig har du ansvaret för att dokumentera samtycke till kakor som används på din webbplats.</a:t>
-            </a:r>
-          </a:p>
-          <a:p>
-            <a:endParaRPr lang="sv-SE" dirty="0"/>
-          </a:p>
-          <a:p>
-            <a:r>
-              <a:rPr lang="sv-SE" dirty="0"/>
-              <a:t>Detta oavsett om kakorna som inhämtar och behandlar personuppgifter ägs av Google, Facebook, Amazon eller några andra tredjepartsleverantörer.</a:t>
-            </a:r>
-          </a:p>
-          <a:p>
-            <a:endParaRPr lang="sv-SE" dirty="0"/>
-          </a:p>
-          <a:p>
-            <a:r>
-              <a:rPr lang="sv-SE" dirty="0"/>
-              <a:t>Din samtyckeslösning ska vara förinställd på att inhämta och lagra alla dina användares samtycke. Även om användare nekar kakor måste detta dokumenteras.</a:t>
-            </a:r>
-          </a:p>
-          <a:p>
-            <a:endParaRPr lang="sv-SE" dirty="0"/>
-          </a:p>
-          <a:p>
-            <a:r>
-              <a:rPr lang="sv-SE" dirty="0"/>
-              <a:t>Samtycken måste lagras i 5 år i fall dataskyddsmyndigheter vill begära ut dem.</a:t>
-            </a:r>
           </a:p>
         </p:txBody>
       </p:sp>
@@ -1600,7 +1157,7 @@
           <a:p>
             <a:fld id="{822B5F86-B050-4F5E-91F6-82CD62AD2DBB}" type="slidenum">
               <a:rPr lang="sv-SE" smtClean="0"/>
-              <a:t>5</a:t>
+              <a:t>4</a:t>
             </a:fld>
             <a:endParaRPr lang="sv-SE"/>
           </a:p>
@@ -1684,7 +1241,7 @@
           <a:p>
             <a:fld id="{822B5F86-B050-4F5E-91F6-82CD62AD2DBB}" type="slidenum">
               <a:rPr lang="sv-SE" smtClean="0"/>
-              <a:t>6</a:t>
+              <a:t>5</a:t>
             </a:fld>
             <a:endParaRPr lang="sv-SE"/>
           </a:p>
@@ -1768,7 +1325,7 @@
           <a:p>
             <a:fld id="{822B5F86-B050-4F5E-91F6-82CD62AD2DBB}" type="slidenum">
               <a:rPr lang="sv-SE" smtClean="0"/>
-              <a:t>7</a:t>
+              <a:t>6</a:t>
             </a:fld>
             <a:endParaRPr lang="sv-SE"/>
           </a:p>
@@ -1852,7 +1409,7 @@
           <a:p>
             <a:fld id="{822B5F86-B050-4F5E-91F6-82CD62AD2DBB}" type="slidenum">
               <a:rPr lang="sv-SE" smtClean="0"/>
-              <a:t>8</a:t>
+              <a:t>7</a:t>
             </a:fld>
             <a:endParaRPr lang="sv-SE"/>
           </a:p>
@@ -1936,7 +1493,7 @@
           <a:p>
             <a:fld id="{822B5F86-B050-4F5E-91F6-82CD62AD2DBB}" type="slidenum">
               <a:rPr lang="sv-SE" smtClean="0"/>
-              <a:t>9</a:t>
+              <a:t>8</a:t>
             </a:fld>
             <a:endParaRPr lang="sv-SE"/>
           </a:p>
@@ -2020,7 +1577,7 @@
           <a:p>
             <a:fld id="{822B5F86-B050-4F5E-91F6-82CD62AD2DBB}" type="slidenum">
               <a:rPr lang="sv-SE" smtClean="0"/>
-              <a:t>10</a:t>
+              <a:t>9</a:t>
             </a:fld>
             <a:endParaRPr lang="sv-SE"/>
           </a:p>
@@ -5649,7 +5206,7 @@
           <a:p>
             <a:r>
               <a:rPr lang="sv-SE" dirty="0"/>
-              <a:t>2022-02-22</a:t>
+              <a:t>2023-02-23</a:t>
             </a:r>
           </a:p>
         </p:txBody>
@@ -5762,203 +5319,6 @@
           <p:cNvPr id="2" name="Title 1">
             <a:extLst>
               <a:ext uri="{FF2B5EF4-FFF2-40B4-BE49-F238E27FC236}">
-                <a16:creationId xmlns:a16="http://schemas.microsoft.com/office/drawing/2014/main" id="{66CD2C1F-FE3B-46EB-BF23-17A5D28834C2}"/>
-              </a:ext>
-            </a:extLst>
-          </p:cNvPr>
-          <p:cNvSpPr>
-            <a:spLocks noGrp="1"/>
-          </p:cNvSpPr>
-          <p:nvPr>
-            <p:ph type="title"/>
-          </p:nvPr>
-        </p:nvSpPr>
-        <p:spPr>
-          <a:xfrm>
-            <a:off x="571200" y="1180800"/>
-            <a:ext cx="10301588" cy="756000"/>
-          </a:xfrm>
-        </p:spPr>
-        <p:txBody>
-          <a:bodyPr/>
-          <a:lstStyle/>
-          <a:p>
-            <a:r>
-              <a:rPr lang="sv-SE" dirty="0"/>
-              <a:t>personuppgiftsansvar - Webbplatser</a:t>
-            </a:r>
-          </a:p>
-        </p:txBody>
-      </p:sp>
-      <p:sp>
-        <p:nvSpPr>
-          <p:cNvPr id="3" name="Text Placeholder 2">
-            <a:extLst>
-              <a:ext uri="{FF2B5EF4-FFF2-40B4-BE49-F238E27FC236}">
-                <a16:creationId xmlns:a16="http://schemas.microsoft.com/office/drawing/2014/main" id="{88CE5CB4-4F34-437B-AA3A-59D717046673}"/>
-              </a:ext>
-            </a:extLst>
-          </p:cNvPr>
-          <p:cNvSpPr>
-            <a:spLocks noGrp="1"/>
-          </p:cNvSpPr>
-          <p:nvPr>
-            <p:ph type="body" sz="quarter" idx="11"/>
-          </p:nvPr>
-        </p:nvSpPr>
-        <p:spPr/>
-        <p:txBody>
-          <a:bodyPr/>
-          <a:lstStyle/>
-          <a:p>
-            <a:r>
-              <a:rPr lang="sv-SE" dirty="0"/>
-              <a:t>Personuppgiftsansvarig är den som bestämmer för vilka ändamål uppgifterna ska behandlas och hur behandlingen ska gå till.</a:t>
-            </a:r>
-          </a:p>
-          <a:p>
-            <a:r>
-              <a:rPr lang="sv-SE" dirty="0"/>
-              <a:t>Ägaren av webbplatsen är personuppgiftsansvarig. </a:t>
-            </a:r>
-          </a:p>
-          <a:p>
-            <a:r>
-              <a:rPr lang="sv-SE" dirty="0"/>
-              <a:t>Personuppgiftsansvarig ska tillse att bestämmelserna i GDPR efterlevs, ex. för de uppgifter som behandlas i kakor.</a:t>
-            </a:r>
-          </a:p>
-          <a:p>
-            <a:r>
-              <a:rPr lang="sv-SE" dirty="0"/>
-              <a:t>Ansvaret gäller även om kakorna inte ägs av webbplatsen utan är tredjepartskakor från t.ex. Google </a:t>
-            </a:r>
-            <a:r>
-              <a:rPr lang="sv-SE" dirty="0" err="1"/>
-              <a:t>Analytics</a:t>
-            </a:r>
-            <a:r>
-              <a:rPr lang="sv-SE" dirty="0"/>
-              <a:t>, Facebook-pixel, </a:t>
-            </a:r>
-            <a:r>
-              <a:rPr lang="sv-SE" dirty="0" err="1"/>
-              <a:t>AddThis</a:t>
-            </a:r>
-            <a:r>
-              <a:rPr lang="sv-SE" dirty="0"/>
-              <a:t>, osv.</a:t>
-            </a:r>
-          </a:p>
-        </p:txBody>
-      </p:sp>
-      <p:sp>
-        <p:nvSpPr>
-          <p:cNvPr id="4" name="Footer Placeholder 3">
-            <a:extLst>
-              <a:ext uri="{FF2B5EF4-FFF2-40B4-BE49-F238E27FC236}">
-                <a16:creationId xmlns:a16="http://schemas.microsoft.com/office/drawing/2014/main" id="{F91E8669-21BB-48D0-8513-413963C9133B}"/>
-              </a:ext>
-            </a:extLst>
-          </p:cNvPr>
-          <p:cNvSpPr>
-            <a:spLocks noGrp="1"/>
-          </p:cNvSpPr>
-          <p:nvPr>
-            <p:ph type="ftr" sz="quarter" idx="12"/>
-          </p:nvPr>
-        </p:nvSpPr>
-        <p:spPr/>
-        <p:txBody>
-          <a:bodyPr/>
-          <a:lstStyle/>
-          <a:p>
-            <a:endParaRPr lang="sv-SE" dirty="0"/>
-          </a:p>
-        </p:txBody>
-      </p:sp>
-      <p:pic>
-        <p:nvPicPr>
-          <p:cNvPr id="5" name="Picture 8" descr="Image result for organisation">
-            <a:extLst>
-              <a:ext uri="{FF2B5EF4-FFF2-40B4-BE49-F238E27FC236}">
-                <a16:creationId xmlns:a16="http://schemas.microsoft.com/office/drawing/2014/main" id="{84419635-0C39-4C22-92D3-ECC14378B0AC}"/>
-              </a:ext>
-            </a:extLst>
-          </p:cNvPr>
-          <p:cNvPicPr>
-            <a:picLocks noChangeAspect="1" noChangeArrowheads="1"/>
-          </p:cNvPicPr>
-          <p:nvPr/>
-        </p:nvPicPr>
-        <p:blipFill>
-          <a:blip r:embed="rId3">
-            <a:extLst>
-              <a:ext uri="{28A0092B-C50C-407E-A947-70E740481C1C}">
-                <a14:useLocalDpi xmlns:a14="http://schemas.microsoft.com/office/drawing/2010/main" val="0"/>
-              </a:ext>
-            </a:extLst>
-          </a:blip>
-          <a:srcRect/>
-          <a:stretch>
-            <a:fillRect/>
-          </a:stretch>
-        </p:blipFill>
-        <p:spPr bwMode="auto">
-          <a:xfrm>
-            <a:off x="8881110" y="4236024"/>
-            <a:ext cx="2653896" cy="1990422"/>
-          </a:xfrm>
-          <a:prstGeom prst="rect">
-            <a:avLst/>
-          </a:prstGeom>
-          <a:noFill/>
-          <a:extLst>
-            <a:ext uri="{909E8E84-426E-40DD-AFC4-6F175D3DCCD1}">
-              <a14:hiddenFill xmlns:a14="http://schemas.microsoft.com/office/drawing/2010/main">
-                <a:solidFill>
-                  <a:srgbClr val="FFFFFF"/>
-                </a:solidFill>
-              </a14:hiddenFill>
-            </a:ext>
-          </a:extLst>
-        </p:spPr>
-      </p:pic>
-    </p:spTree>
-    <p:extLst>
-      <p:ext uri="{BB962C8B-B14F-4D97-AF65-F5344CB8AC3E}">
-        <p14:creationId xmlns:p14="http://schemas.microsoft.com/office/powerpoint/2010/main" val="3130809776"/>
-      </p:ext>
-    </p:extLst>
-  </p:cSld>
-  <p:clrMapOvr>
-    <a:masterClrMapping/>
-  </p:clrMapOvr>
-</p:sld>
-</file>
-
-<file path=ppt/slides/slide11.xml><?xml version="1.0" encoding="utf-8"?>
-<p:sld xmlns:a="http://schemas.openxmlformats.org/drawingml/2006/main" xmlns:r="http://schemas.openxmlformats.org/officeDocument/2006/relationships" xmlns:p="http://schemas.openxmlformats.org/presentationml/2006/main">
-  <p:cSld>
-    <p:spTree>
-      <p:nvGrpSpPr>
-        <p:cNvPr id="1" name=""/>
-        <p:cNvGrpSpPr/>
-        <p:nvPr/>
-      </p:nvGrpSpPr>
-      <p:grpSpPr>
-        <a:xfrm>
-          <a:off x="0" y="0"/>
-          <a:ext cx="0" cy="0"/>
-          <a:chOff x="0" y="0"/>
-          <a:chExt cx="0" cy="0"/>
-        </a:xfrm>
-      </p:grpSpPr>
-      <p:sp>
-        <p:nvSpPr>
-          <p:cNvPr id="2" name="Title 1">
-            <a:extLst>
-              <a:ext uri="{FF2B5EF4-FFF2-40B4-BE49-F238E27FC236}">
                 <a16:creationId xmlns:a16="http://schemas.microsoft.com/office/drawing/2014/main" id="{9BE9D092-975B-4457-B00D-577F55DBF9F9}"/>
               </a:ext>
             </a:extLst>
@@ -6159,7 +5519,7 @@
 </p:sld>
 </file>
 
-<file path=ppt/slides/slide12.xml><?xml version="1.0" encoding="utf-8"?>
+<file path=ppt/slides/slide11.xml><?xml version="1.0" encoding="utf-8"?>
 <p:sld xmlns:a="http://schemas.openxmlformats.org/drawingml/2006/main" xmlns:r="http://schemas.openxmlformats.org/officeDocument/2006/relationships" xmlns:p="http://schemas.openxmlformats.org/presentationml/2006/main">
   <p:cSld>
     <p:spTree>
@@ -6266,12 +5626,6 @@
             <a:r>
               <a:rPr lang="sv-SE" dirty="0"/>
               <a:t>Myndighetsutövning				J		(N)</a:t>
-            </a:r>
-          </a:p>
-          <a:p>
-            <a:r>
-              <a:rPr lang="sv-SE" i="1" dirty="0"/>
-              <a:t>Grundläggande intresse</a:t>
             </a:r>
           </a:p>
         </p:txBody>
@@ -6352,6 +5706,162 @@
     <p:extLst>
       <p:ext uri="{BB962C8B-B14F-4D97-AF65-F5344CB8AC3E}">
         <p14:creationId xmlns:p14="http://schemas.microsoft.com/office/powerpoint/2010/main" val="3992871153"/>
+      </p:ext>
+    </p:extLst>
+  </p:cSld>
+  <p:clrMapOvr>
+    <a:masterClrMapping/>
+  </p:clrMapOvr>
+</p:sld>
+</file>
+
+<file path=ppt/slides/slide12.xml><?xml version="1.0" encoding="utf-8"?>
+<p:sld xmlns:a="http://schemas.openxmlformats.org/drawingml/2006/main" xmlns:r="http://schemas.openxmlformats.org/officeDocument/2006/relationships" xmlns:p="http://schemas.openxmlformats.org/presentationml/2006/main">
+  <p:cSld>
+    <p:spTree>
+      <p:nvGrpSpPr>
+        <p:cNvPr id="1" name=""/>
+        <p:cNvGrpSpPr/>
+        <p:nvPr/>
+      </p:nvGrpSpPr>
+      <p:grpSpPr>
+        <a:xfrm>
+          <a:off x="0" y="0"/>
+          <a:ext cx="0" cy="0"/>
+          <a:chOff x="0" y="0"/>
+          <a:chExt cx="0" cy="0"/>
+        </a:xfrm>
+      </p:grpSpPr>
+      <p:sp>
+        <p:nvSpPr>
+          <p:cNvPr id="2" name="Title 1">
+            <a:extLst>
+              <a:ext uri="{FF2B5EF4-FFF2-40B4-BE49-F238E27FC236}">
+                <a16:creationId xmlns:a16="http://schemas.microsoft.com/office/drawing/2014/main" id="{C901064C-28A6-4468-9005-95394F3CE462}"/>
+              </a:ext>
+            </a:extLst>
+          </p:cNvPr>
+          <p:cNvSpPr>
+            <a:spLocks noGrp="1"/>
+          </p:cNvSpPr>
+          <p:nvPr>
+            <p:ph type="title"/>
+          </p:nvPr>
+        </p:nvSpPr>
+        <p:spPr/>
+        <p:txBody>
+          <a:bodyPr/>
+          <a:lstStyle/>
+          <a:p>
+            <a:r>
+              <a:rPr lang="sv-SE" dirty="0"/>
+              <a:t>Registrerades rättigheter</a:t>
+            </a:r>
+          </a:p>
+        </p:txBody>
+      </p:sp>
+      <p:sp>
+        <p:nvSpPr>
+          <p:cNvPr id="3" name="Text Placeholder 2">
+            <a:extLst>
+              <a:ext uri="{FF2B5EF4-FFF2-40B4-BE49-F238E27FC236}">
+                <a16:creationId xmlns:a16="http://schemas.microsoft.com/office/drawing/2014/main" id="{EDC65C32-3310-415E-84D3-0E805AF00B46}"/>
+              </a:ext>
+            </a:extLst>
+          </p:cNvPr>
+          <p:cNvSpPr>
+            <a:spLocks noGrp="1"/>
+          </p:cNvSpPr>
+          <p:nvPr>
+            <p:ph type="body" sz="quarter" idx="11"/>
+          </p:nvPr>
+        </p:nvSpPr>
+        <p:spPr/>
+        <p:txBody>
+          <a:bodyPr/>
+          <a:lstStyle/>
+          <a:p>
+            <a:pPr marL="0" indent="0">
+              <a:buNone/>
+            </a:pPr>
+            <a:r>
+              <a:rPr lang="sv-SE" dirty="0"/>
+              <a:t>Du måste ange en kontaktväg för registrerade som vill utöva sina rättigheter</a:t>
+            </a:r>
+          </a:p>
+          <a:p>
+            <a:r>
+              <a:rPr lang="sv-SE" dirty="0"/>
+              <a:t>Rätt till information</a:t>
+            </a:r>
+          </a:p>
+          <a:p>
+            <a:r>
+              <a:rPr lang="sv-SE" dirty="0"/>
+              <a:t>Rätt till tillgång</a:t>
+            </a:r>
+          </a:p>
+          <a:p>
+            <a:r>
+              <a:rPr lang="sv-SE" dirty="0"/>
+              <a:t>Rätt till rättelse</a:t>
+            </a:r>
+          </a:p>
+          <a:p>
+            <a:r>
+              <a:rPr lang="sv-SE" dirty="0"/>
+              <a:t>Rätt till radering</a:t>
+            </a:r>
+          </a:p>
+          <a:p>
+            <a:r>
+              <a:rPr lang="sv-SE" dirty="0"/>
+              <a:t>Rätt till begränsning</a:t>
+            </a:r>
+          </a:p>
+          <a:p>
+            <a:r>
+              <a:rPr lang="sv-SE" dirty="0"/>
+              <a:t>Rätt att göra invändningar</a:t>
+            </a:r>
+          </a:p>
+          <a:p>
+            <a:r>
+              <a:rPr lang="sv-SE" dirty="0"/>
+              <a:t>Rätt till dataportabilitet</a:t>
+            </a:r>
+          </a:p>
+        </p:txBody>
+      </p:sp>
+      <p:sp>
+        <p:nvSpPr>
+          <p:cNvPr id="4" name="Footer Placeholder 3">
+            <a:extLst>
+              <a:ext uri="{FF2B5EF4-FFF2-40B4-BE49-F238E27FC236}">
+                <a16:creationId xmlns:a16="http://schemas.microsoft.com/office/drawing/2014/main" id="{37E345DE-B3F1-4246-9F58-924505D24E78}"/>
+              </a:ext>
+            </a:extLst>
+          </p:cNvPr>
+          <p:cNvSpPr>
+            <a:spLocks noGrp="1"/>
+          </p:cNvSpPr>
+          <p:nvPr>
+            <p:ph type="ftr" sz="quarter" idx="12"/>
+          </p:nvPr>
+        </p:nvSpPr>
+        <p:spPr/>
+        <p:txBody>
+          <a:bodyPr/>
+          <a:lstStyle/>
+          <a:p>
+            <a:endParaRPr lang="sv-SE" dirty="0"/>
+          </a:p>
+        </p:txBody>
+      </p:sp>
+    </p:spTree>
+    <p:extLst>
+      <p:ext uri="{BB962C8B-B14F-4D97-AF65-F5344CB8AC3E}">
+        <p14:creationId xmlns:p14="http://schemas.microsoft.com/office/powerpoint/2010/main" val="2246919836"/>
       </p:ext>
     </p:extLst>
   </p:cSld>
@@ -6564,7 +6074,7 @@
           <a:p>
             <a:r>
               <a:rPr lang="sv-SE" dirty="0"/>
-              <a:t>GDPR gäller parallellt med E-direktivet</a:t>
+              <a:t>E-direktivet gäller parallellt med GDPR</a:t>
             </a:r>
             <a:endParaRPr lang="sv-SE" dirty="0">
               <a:solidFill>
@@ -7126,48 +6636,41 @@
           <a:lstStyle/>
           <a:p>
             <a:r>
-              <a:rPr lang="sv-SE"/>
-              <a:t>Samtycke är en av 6 möjliga rättsliga grunder för att behandla personuppgifter</a:t>
-            </a:r>
-          </a:p>
-          <a:p>
-            <a:r>
-              <a:rPr lang="sv-SE"/>
+              <a:rPr lang="sv-SE" dirty="0"/>
               <a:t>Den rättsliga grunden samtycke innebär att den registrerade har sagt ja till personuppgiftsbehandlingen</a:t>
             </a:r>
           </a:p>
           <a:p>
             <a:r>
-              <a:rPr lang="sv-SE"/>
-              <a:t>Den som samtycker måste informeras om den personuppgiftsbehandlingen</a:t>
-            </a:r>
-          </a:p>
-          <a:p>
-            <a:r>
-              <a:rPr lang="sv-SE"/>
+              <a:rPr lang="sv-SE" dirty="0"/>
+              <a:t>Den som samtycker måste informeras om personuppgiftsbehandlingen</a:t>
+            </a:r>
+          </a:p>
+          <a:p>
+            <a:r>
+              <a:rPr lang="sv-SE" dirty="0"/>
               <a:t>Samtycke måste vara frivilligt och jämlikt</a:t>
             </a:r>
           </a:p>
           <a:p>
             <a:r>
-              <a:rPr lang="sv-SE"/>
+              <a:rPr lang="sv-SE" dirty="0"/>
               <a:t>Med frivilligt menas att den registrerade har ett genuint fritt val och kontroll över sina personuppgifter</a:t>
             </a:r>
           </a:p>
           <a:p>
             <a:pPr lvl="1"/>
             <a:r>
-              <a:rPr lang="sv-SE"/>
+              <a:rPr lang="sv-SE" dirty="0"/>
               <a:t>Samtycket måste t.ex. kunna återtas varefter personuppgifter måste raderas</a:t>
             </a:r>
           </a:p>
           <a:p>
             <a:pPr lvl="1"/>
             <a:r>
-              <a:rPr lang="sv-SE"/>
+              <a:rPr lang="sv-SE" dirty="0"/>
               <a:t>Den registrerade får inte drabbas av negativa konsekvenser om den inte lämnar sitt samtycke, t.ex. nekas tillträde eller åtkomst till innehåll på en webbsida.</a:t>
             </a:r>
-            <a:endParaRPr lang="sv-SE" dirty="0"/>
           </a:p>
         </p:txBody>
       </p:sp>
@@ -7338,7 +6841,7 @@
           <a:p>
             <a:r>
               <a:rPr lang="sv-SE" dirty="0"/>
-              <a:t>ge besökarna möjligheten att neka alla (ej tekniskt nödvändiga) kakor</a:t>
+              <a:t>ge besökarna möjligheten att neka alla ej tekniskt nödvändiga kakor</a:t>
             </a:r>
           </a:p>
           <a:p>
@@ -7375,7 +6878,15 @@
             </a:pPr>
             <a:r>
               <a:rPr lang="sv-SE" dirty="0"/>
-              <a:t>Reglerna gäller inte bara för vanliga kakor utan även för annan jämförbar teknik som till exempel Flash-kakor och html5 </a:t>
+              <a:t>Reglerna gäller inte bara för vanliga kakor utan även för annan jämförbar teknik som </a:t>
+            </a:r>
+            <a:r>
+              <a:rPr lang="sv-SE" dirty="0" err="1"/>
+              <a:t>Tracking</a:t>
+            </a:r>
+            <a:r>
+              <a:rPr lang="sv-SE" dirty="0"/>
+              <a:t> Pixels, Flash-kakor, html5 </a:t>
             </a:r>
             <a:r>
               <a:rPr lang="sv-SE" dirty="0" err="1"/>
@@ -7391,7 +6902,7 @@
             </a:r>
             <a:r>
               <a:rPr lang="sv-SE" dirty="0"/>
-              <a:t>.</a:t>
+              <a:t>, osv.</a:t>
             </a:r>
           </a:p>
         </p:txBody>
@@ -7450,8 +6961,8 @@
         </p:blipFill>
         <p:spPr bwMode="auto">
           <a:xfrm>
-            <a:off x="9114790" y="4080510"/>
-            <a:ext cx="2566004" cy="1924504"/>
+            <a:off x="9063789" y="4067498"/>
+            <a:ext cx="2717427" cy="2038071"/>
           </a:xfrm>
           <a:prstGeom prst="rect">
             <a:avLst/>
@@ -7578,7 +7089,7 @@
           <a:p>
             <a:r>
               <a:rPr lang="sv-SE" dirty="0"/>
-              <a:t>Åtgärda brister.</a:t>
+              <a:t>Åtgärda eventuella brister.</a:t>
             </a:r>
           </a:p>
           <a:p>
@@ -7593,7 +7104,7 @@
             </a:pPr>
             <a:r>
               <a:rPr lang="sv-SE" dirty="0"/>
-              <a:t>Webbkoll är ett analysverktyg som tar reda på hur bra dataskyddet är på din webbplats. Verktyget ger tips på hur du kan åtgärda problem som hittas.</a:t>
+              <a:t>Webbkoll är ett analysverktyg för att undersöka dataskyddet på en webbplats. Verktyget ger konkreta tips och instruktioner för att åtgärda de problem som hittas.</a:t>
             </a:r>
           </a:p>
         </p:txBody>
@@ -8215,6 +7726,10 @@
               </a:rPr>
               <a:t>https://www.pts.se/sv/privat/internet/integritet/kakor-cookies/</a:t>
             </a:r>
+            <a:r>
+              <a:rPr lang="sv-SE" dirty="0"/>
+              <a:t> </a:t>
+            </a:r>
             <a:endParaRPr lang="sv-SE" dirty="0">
               <a:hlinkClick r:id="rId4"/>
             </a:endParaRPr>
@@ -8244,7 +7759,10 @@
               </a:rPr>
               <a:t>https://webbriktlinjer.se/riktlinjer/20-upplys-hur-juridisk-information-och-kakor-hanteras/</a:t>
             </a:r>
-            <a:endParaRPr lang="sv-SE" dirty="0"/>
+            <a:r>
+              <a:rPr lang="sv-SE" dirty="0"/>
+              <a:t> </a:t>
+            </a:r>
           </a:p>
           <a:p>
             <a:r>
@@ -8253,7 +7771,10 @@
               </a:rPr>
               <a:t>https://cookieinformation.com/sv/vad-ar-reglerna-for-cookies/</a:t>
             </a:r>
-            <a:endParaRPr lang="sv-SE" dirty="0"/>
+            <a:r>
+              <a:rPr lang="sv-SE" dirty="0"/>
+              <a:t> </a:t>
+            </a:r>
           </a:p>
           <a:p>
             <a:r>
@@ -8329,7 +7850,7 @@
         </p:blipFill>
         <p:spPr bwMode="auto">
           <a:xfrm>
-            <a:off x="8230301" y="1180800"/>
+            <a:off x="8807816" y="1180800"/>
             <a:ext cx="2685630" cy="1916730"/>
           </a:xfrm>
           <a:prstGeom prst="roundRect">
@@ -8681,165 +8202,6 @@
           <p:cNvPr id="2" name="Title 1">
             <a:extLst>
               <a:ext uri="{FF2B5EF4-FFF2-40B4-BE49-F238E27FC236}">
-                <a16:creationId xmlns:a16="http://schemas.microsoft.com/office/drawing/2014/main" id="{0D0428F6-A7E2-4D7A-A2ED-EBDFBA0FC52F}"/>
-              </a:ext>
-            </a:extLst>
-          </p:cNvPr>
-          <p:cNvSpPr>
-            <a:spLocks noGrp="1"/>
-          </p:cNvSpPr>
-          <p:nvPr>
-            <p:ph type="title"/>
-          </p:nvPr>
-        </p:nvSpPr>
-        <p:spPr/>
-        <p:txBody>
-          <a:bodyPr/>
-          <a:lstStyle/>
-          <a:p>
-            <a:r>
-              <a:rPr lang="sv-SE" dirty="0" err="1"/>
-              <a:t>IntroduKtion</a:t>
-            </a:r>
-            <a:r>
-              <a:rPr lang="sv-SE" dirty="0"/>
-              <a:t> - Film</a:t>
-            </a:r>
-          </a:p>
-        </p:txBody>
-      </p:sp>
-      <p:sp>
-        <p:nvSpPr>
-          <p:cNvPr id="3" name="Text Placeholder 2">
-            <a:extLst>
-              <a:ext uri="{FF2B5EF4-FFF2-40B4-BE49-F238E27FC236}">
-                <a16:creationId xmlns:a16="http://schemas.microsoft.com/office/drawing/2014/main" id="{43D08777-A50B-40F7-9327-6B9A5456A288}"/>
-              </a:ext>
-            </a:extLst>
-          </p:cNvPr>
-          <p:cNvSpPr>
-            <a:spLocks noGrp="1"/>
-          </p:cNvSpPr>
-          <p:nvPr>
-            <p:ph type="body" sz="quarter" idx="11"/>
-          </p:nvPr>
-        </p:nvSpPr>
-        <p:spPr/>
-        <p:txBody>
-          <a:bodyPr/>
-          <a:lstStyle/>
-          <a:p>
-            <a:pPr marL="0" indent="0">
-              <a:buNone/>
-            </a:pPr>
-            <a:endParaRPr lang="sv-SE" dirty="0"/>
-          </a:p>
-          <a:p>
-            <a:r>
-              <a:rPr lang="sv-SE" dirty="0">
-                <a:hlinkClick r:id="rId2"/>
-              </a:rPr>
-              <a:t>https://www.youtube.com/watch?v=RdU--d46D80</a:t>
-            </a:r>
-            <a:endParaRPr lang="sv-SE" dirty="0"/>
-          </a:p>
-          <a:p>
-            <a:pPr marL="0" indent="0">
-              <a:buNone/>
-            </a:pPr>
-            <a:endParaRPr lang="da-DK" b="0" i="0" dirty="0">
-              <a:effectLst/>
-              <a:latin typeface="Roboto"/>
-            </a:endParaRPr>
-          </a:p>
-          <a:p>
-            <a:pPr marL="0" indent="0">
-              <a:buNone/>
-            </a:pPr>
-            <a:r>
-              <a:rPr lang="sv-SE" b="0" i="0" dirty="0">
-                <a:effectLst/>
-                <a:latin typeface="Roboto"/>
-              </a:rPr>
-              <a:t>Se kundernas reaktioner när bagaren ställer personliga frågor, något som vi accepterar dagligen i </a:t>
-            </a:r>
-            <a:r>
-              <a:rPr lang="sv-SE" b="0" i="0" dirty="0" err="1">
-                <a:effectLst/>
-                <a:latin typeface="Roboto"/>
-              </a:rPr>
-              <a:t>appar</a:t>
-            </a:r>
-            <a:r>
-              <a:rPr lang="sv-SE" b="0" i="0" dirty="0">
-                <a:effectLst/>
-                <a:latin typeface="Roboto"/>
-              </a:rPr>
-              <a:t> och på webben.</a:t>
-            </a:r>
-          </a:p>
-        </p:txBody>
-      </p:sp>
-      <p:sp>
-        <p:nvSpPr>
-          <p:cNvPr id="4" name="Footer Placeholder 3">
-            <a:extLst>
-              <a:ext uri="{FF2B5EF4-FFF2-40B4-BE49-F238E27FC236}">
-                <a16:creationId xmlns:a16="http://schemas.microsoft.com/office/drawing/2014/main" id="{348D0440-DCC1-43FF-8B82-E67855D18E25}"/>
-              </a:ext>
-            </a:extLst>
-          </p:cNvPr>
-          <p:cNvSpPr>
-            <a:spLocks noGrp="1"/>
-          </p:cNvSpPr>
-          <p:nvPr>
-            <p:ph type="ftr" sz="quarter" idx="12"/>
-          </p:nvPr>
-        </p:nvSpPr>
-        <p:spPr/>
-        <p:txBody>
-          <a:bodyPr/>
-          <a:lstStyle/>
-          <a:p>
-            <a:endParaRPr lang="sv-SE" dirty="0"/>
-          </a:p>
-        </p:txBody>
-      </p:sp>
-    </p:spTree>
-    <p:extLst>
-      <p:ext uri="{BB962C8B-B14F-4D97-AF65-F5344CB8AC3E}">
-        <p14:creationId xmlns:p14="http://schemas.microsoft.com/office/powerpoint/2010/main" val="421976861"/>
-      </p:ext>
-    </p:extLst>
-  </p:cSld>
-  <p:clrMapOvr>
-    <a:masterClrMapping/>
-  </p:clrMapOvr>
-</p:sld>
-</file>
-
-<file path=ppt/slides/slide5.xml><?xml version="1.0" encoding="utf-8"?>
-<p:sld xmlns:a="http://schemas.openxmlformats.org/drawingml/2006/main" xmlns:r="http://schemas.openxmlformats.org/officeDocument/2006/relationships" xmlns:p="http://schemas.openxmlformats.org/presentationml/2006/main">
-  <p:cSld>
-    <p:spTree>
-      <p:nvGrpSpPr>
-        <p:cNvPr id="1" name=""/>
-        <p:cNvGrpSpPr/>
-        <p:nvPr/>
-      </p:nvGrpSpPr>
-      <p:grpSpPr>
-        <a:xfrm>
-          <a:off x="0" y="0"/>
-          <a:ext cx="0" cy="0"/>
-          <a:chOff x="0" y="0"/>
-          <a:chExt cx="0" cy="0"/>
-        </a:xfrm>
-      </p:grpSpPr>
-      <p:sp>
-        <p:nvSpPr>
-          <p:cNvPr id="2" name="Title 1">
-            <a:extLst>
-              <a:ext uri="{FF2B5EF4-FFF2-40B4-BE49-F238E27FC236}">
                 <a16:creationId xmlns:a16="http://schemas.microsoft.com/office/drawing/2014/main" id="{3901CA0E-2C3A-461B-ABCB-D85627F81B18}"/>
               </a:ext>
             </a:extLst>
@@ -9065,7 +8427,7 @@
 </p:sld>
 </file>
 
-<file path=ppt/slides/slide6.xml><?xml version="1.0" encoding="utf-8"?>
+<file path=ppt/slides/slide5.xml><?xml version="1.0" encoding="utf-8"?>
 <p:sld xmlns:a="http://schemas.openxmlformats.org/drawingml/2006/main" xmlns:r="http://schemas.openxmlformats.org/officeDocument/2006/relationships" xmlns:p="http://schemas.openxmlformats.org/presentationml/2006/main">
   <p:cSld>
     <p:spTree>
@@ -9215,7 +8577,7 @@
 </p:sld>
 </file>
 
-<file path=ppt/slides/slide7.xml><?xml version="1.0" encoding="utf-8"?>
+<file path=ppt/slides/slide6.xml><?xml version="1.0" encoding="utf-8"?>
 <p:sld xmlns:a="http://schemas.openxmlformats.org/drawingml/2006/main" xmlns:r="http://schemas.openxmlformats.org/officeDocument/2006/relationships" xmlns:p="http://schemas.openxmlformats.org/presentationml/2006/main">
   <p:cSld>
     <p:spTree>
@@ -9457,7 +8819,7 @@
 </p:sld>
 </file>
 
-<file path=ppt/slides/slide8.xml><?xml version="1.0" encoding="utf-8"?>
+<file path=ppt/slides/slide7.xml><?xml version="1.0" encoding="utf-8"?>
 <p:sld xmlns:a="http://schemas.openxmlformats.org/drawingml/2006/main" xmlns:r="http://schemas.openxmlformats.org/officeDocument/2006/relationships" xmlns:p="http://schemas.openxmlformats.org/presentationml/2006/main">
   <p:cSld>
     <p:spTree>
@@ -9696,7 +9058,7 @@
 </p:sld>
 </file>
 
-<file path=ppt/slides/slide9.xml><?xml version="1.0" encoding="utf-8"?>
+<file path=ppt/slides/slide8.xml><?xml version="1.0" encoding="utf-8"?>
 <p:sld xmlns:a="http://schemas.openxmlformats.org/drawingml/2006/main" xmlns:r="http://schemas.openxmlformats.org/officeDocument/2006/relationships" xmlns:p="http://schemas.openxmlformats.org/presentationml/2006/main">
   <p:cSld>
     <p:spTree>
@@ -9736,7 +9098,7 @@
           <a:p>
             <a:r>
               <a:rPr lang="sv-SE" dirty="0"/>
-              <a:t>GDPR – tillämpningsområde</a:t>
+              <a:t>GDPR – tillämpningsområden</a:t>
             </a:r>
           </a:p>
         </p:txBody>
@@ -9772,7 +9134,7 @@
             </a:pPr>
             <a:r>
               <a:rPr lang="sv-SE" sz="1800" b="1" dirty="0"/>
-              <a:t>Materiella tillämpningsområde</a:t>
+              <a:t>Materiellt tillämpningsområde</a:t>
             </a:r>
             <a:r>
               <a:rPr lang="sv-SE" sz="1800" dirty="0"/>
@@ -9784,7 +9146,6 @@
               <a:rPr lang="sv-SE" sz="1800" dirty="0"/>
               <a:t>Alla digitala personuppgiftsbehandlingar</a:t>
             </a:r>
-            <a:endParaRPr lang="sv-SE" sz="1800" b="1" dirty="0"/>
           </a:p>
           <a:p>
             <a:r>
@@ -9804,7 +9165,7 @@
             </a:pPr>
             <a:r>
               <a:rPr lang="sv-SE" sz="1800" b="1" dirty="0"/>
-              <a:t>Geografiska tillämpningsområde:</a:t>
+              <a:t>Geografiskt tillämpningsområde:</a:t>
             </a:r>
           </a:p>
           <a:p>
@@ -9906,6 +9267,203 @@
     <p:extLst>
       <p:ext uri="{BB962C8B-B14F-4D97-AF65-F5344CB8AC3E}">
         <p14:creationId xmlns:p14="http://schemas.microsoft.com/office/powerpoint/2010/main" val="2027881228"/>
+      </p:ext>
+    </p:extLst>
+  </p:cSld>
+  <p:clrMapOvr>
+    <a:masterClrMapping/>
+  </p:clrMapOvr>
+</p:sld>
+</file>
+
+<file path=ppt/slides/slide9.xml><?xml version="1.0" encoding="utf-8"?>
+<p:sld xmlns:a="http://schemas.openxmlformats.org/drawingml/2006/main" xmlns:r="http://schemas.openxmlformats.org/officeDocument/2006/relationships" xmlns:p="http://schemas.openxmlformats.org/presentationml/2006/main">
+  <p:cSld>
+    <p:spTree>
+      <p:nvGrpSpPr>
+        <p:cNvPr id="1" name=""/>
+        <p:cNvGrpSpPr/>
+        <p:nvPr/>
+      </p:nvGrpSpPr>
+      <p:grpSpPr>
+        <a:xfrm>
+          <a:off x="0" y="0"/>
+          <a:ext cx="0" cy="0"/>
+          <a:chOff x="0" y="0"/>
+          <a:chExt cx="0" cy="0"/>
+        </a:xfrm>
+      </p:grpSpPr>
+      <p:sp>
+        <p:nvSpPr>
+          <p:cNvPr id="2" name="Title 1">
+            <a:extLst>
+              <a:ext uri="{FF2B5EF4-FFF2-40B4-BE49-F238E27FC236}">
+                <a16:creationId xmlns:a16="http://schemas.microsoft.com/office/drawing/2014/main" id="{66CD2C1F-FE3B-46EB-BF23-17A5D28834C2}"/>
+              </a:ext>
+            </a:extLst>
+          </p:cNvPr>
+          <p:cNvSpPr>
+            <a:spLocks noGrp="1"/>
+          </p:cNvSpPr>
+          <p:nvPr>
+            <p:ph type="title"/>
+          </p:nvPr>
+        </p:nvSpPr>
+        <p:spPr>
+          <a:xfrm>
+            <a:off x="571200" y="1180800"/>
+            <a:ext cx="10301588" cy="756000"/>
+          </a:xfrm>
+        </p:spPr>
+        <p:txBody>
+          <a:bodyPr/>
+          <a:lstStyle/>
+          <a:p>
+            <a:r>
+              <a:rPr lang="sv-SE" dirty="0"/>
+              <a:t>personuppgiftsansvar - Webbplatser</a:t>
+            </a:r>
+          </a:p>
+        </p:txBody>
+      </p:sp>
+      <p:sp>
+        <p:nvSpPr>
+          <p:cNvPr id="3" name="Text Placeholder 2">
+            <a:extLst>
+              <a:ext uri="{FF2B5EF4-FFF2-40B4-BE49-F238E27FC236}">
+                <a16:creationId xmlns:a16="http://schemas.microsoft.com/office/drawing/2014/main" id="{88CE5CB4-4F34-437B-AA3A-59D717046673}"/>
+              </a:ext>
+            </a:extLst>
+          </p:cNvPr>
+          <p:cNvSpPr>
+            <a:spLocks noGrp="1"/>
+          </p:cNvSpPr>
+          <p:nvPr>
+            <p:ph type="body" sz="quarter" idx="11"/>
+          </p:nvPr>
+        </p:nvSpPr>
+        <p:spPr/>
+        <p:txBody>
+          <a:bodyPr/>
+          <a:lstStyle/>
+          <a:p>
+            <a:r>
+              <a:rPr lang="sv-SE" dirty="0"/>
+              <a:t>Personuppgiftsansvarig är den som bestämmer för vilka ändamål uppgifterna ska behandlas och hur behandlingen ska gå till.</a:t>
+            </a:r>
+          </a:p>
+          <a:p>
+            <a:r>
+              <a:rPr lang="sv-SE" dirty="0"/>
+              <a:t>Ägaren av webbplatsen är i regel personuppgiftsansvarig. </a:t>
+            </a:r>
+          </a:p>
+          <a:p>
+            <a:r>
+              <a:rPr lang="sv-SE" dirty="0"/>
+              <a:t>Personuppgiftsansvarig ska tillse att bestämmelserna i GDPR efterlevs, ex. för de uppgifter som behandlas i kakor.</a:t>
+            </a:r>
+          </a:p>
+          <a:p>
+            <a:r>
+              <a:rPr lang="sv-SE" dirty="0"/>
+              <a:t>Ansvaret gäller även om kakorna inte ägs av webbplatsen utan är tredjepartskakor från t.ex. Google </a:t>
+            </a:r>
+            <a:r>
+              <a:rPr lang="sv-SE" dirty="0" err="1"/>
+              <a:t>Analytics</a:t>
+            </a:r>
+            <a:r>
+              <a:rPr lang="sv-SE" dirty="0"/>
+              <a:t>, Facebook-pixel, </a:t>
+            </a:r>
+            <a:r>
+              <a:rPr lang="sv-SE" dirty="0" err="1"/>
+              <a:t>AddThis</a:t>
+            </a:r>
+            <a:r>
+              <a:rPr lang="sv-SE" dirty="0"/>
+              <a:t>, osv.</a:t>
+            </a:r>
+          </a:p>
+        </p:txBody>
+      </p:sp>
+      <p:sp>
+        <p:nvSpPr>
+          <p:cNvPr id="4" name="Footer Placeholder 3">
+            <a:extLst>
+              <a:ext uri="{FF2B5EF4-FFF2-40B4-BE49-F238E27FC236}">
+                <a16:creationId xmlns:a16="http://schemas.microsoft.com/office/drawing/2014/main" id="{F91E8669-21BB-48D0-8513-413963C9133B}"/>
+              </a:ext>
+            </a:extLst>
+          </p:cNvPr>
+          <p:cNvSpPr>
+            <a:spLocks noGrp="1"/>
+          </p:cNvSpPr>
+          <p:nvPr>
+            <p:ph type="ftr" sz="quarter" idx="12"/>
+          </p:nvPr>
+        </p:nvSpPr>
+        <p:spPr/>
+        <p:txBody>
+          <a:bodyPr/>
+          <a:lstStyle/>
+          <a:p>
+            <a:endParaRPr lang="sv-SE" dirty="0"/>
+          </a:p>
+        </p:txBody>
+      </p:sp>
+      <p:pic>
+        <p:nvPicPr>
+          <p:cNvPr id="5" name="Picture 8" descr="Image result for organisation">
+            <a:extLst>
+              <a:ext uri="{FF2B5EF4-FFF2-40B4-BE49-F238E27FC236}">
+                <a16:creationId xmlns:a16="http://schemas.microsoft.com/office/drawing/2014/main" id="{84419635-0C39-4C22-92D3-ECC14378B0AC}"/>
+              </a:ext>
+            </a:extLst>
+          </p:cNvPr>
+          <p:cNvPicPr>
+            <a:picLocks noChangeAspect="1" noChangeArrowheads="1"/>
+          </p:cNvPicPr>
+          <p:nvPr/>
+        </p:nvPicPr>
+        <p:blipFill>
+          <a:blip r:embed="rId3">
+            <a:extLst>
+              <a:ext uri="{28A0092B-C50C-407E-A947-70E740481C1C}">
+                <a14:useLocalDpi xmlns:a14="http://schemas.microsoft.com/office/drawing/2010/main" val="0"/>
+              </a:ext>
+            </a:extLst>
+          </a:blip>
+          <a:srcRect/>
+          <a:stretch>
+            <a:fillRect/>
+          </a:stretch>
+        </p:blipFill>
+        <p:spPr bwMode="auto">
+          <a:xfrm>
+            <a:off x="8881110" y="4236024"/>
+            <a:ext cx="2653896" cy="1990422"/>
+          </a:xfrm>
+          <a:prstGeom prst="rect">
+            <a:avLst/>
+          </a:prstGeom>
+          <a:noFill/>
+          <a:extLst>
+            <a:ext uri="{909E8E84-426E-40DD-AFC4-6F175D3DCCD1}">
+              <a14:hiddenFill xmlns:a14="http://schemas.microsoft.com/office/drawing/2010/main">
+                <a:solidFill>
+                  <a:srgbClr val="FFFFFF"/>
+                </a:solidFill>
+              </a14:hiddenFill>
+            </a:ext>
+          </a:extLst>
+        </p:spPr>
+      </p:pic>
+    </p:spTree>
+    <p:extLst>
+      <p:ext uri="{BB962C8B-B14F-4D97-AF65-F5344CB8AC3E}">
+        <p14:creationId xmlns:p14="http://schemas.microsoft.com/office/powerpoint/2010/main" val="3130809776"/>
       </p:ext>
     </p:extLst>
   </p:cSld>
